--- a/SCS_3252_010_Steven_Chiu_Project.pptx
+++ b/SCS_3252_010_Steven_Chiu_Project.pptx
@@ -135,7 +135,7 @@
 <file path=ppt/revisionInfo.xml><?xml version="1.0" encoding="utf-8"?>
 <p1510:revInfo xmlns:a="http://schemas.openxmlformats.org/drawingml/2006/main" xmlns:r="http://schemas.openxmlformats.org/officeDocument/2006/relationships" xmlns:p1510="http://schemas.microsoft.com/office/powerpoint/2015/10/main">
   <p1510:revLst>
-    <p1510:client id="{660179DC-0D6B-462F-A8F5-948AB2D462D4}" v="131" dt="2018-11-30T05:18:18.185"/>
+    <p1510:client id="{660179DC-0D6B-462F-A8F5-948AB2D462D4}" v="133" dt="2018-12-02T07:12:55.372"/>
   </p1510:revLst>
 </p1510:revInfo>
 </file>
@@ -349,7 +349,7 @@
   <pc:docChgLst>
     <pc:chgData name="Steven Chiu" userId="0b7a7397d0cf8d29" providerId="LiveId" clId="{660179DC-0D6B-462F-A8F5-948AB2D462D4}"/>
     <pc:docChg chg="undo custSel addSld delSld modSld">
-      <pc:chgData name="Steven Chiu" userId="0b7a7397d0cf8d29" providerId="LiveId" clId="{660179DC-0D6B-462F-A8F5-948AB2D462D4}" dt="2018-11-30T05:18:18.185" v="2510" actId="20577"/>
+      <pc:chgData name="Steven Chiu" userId="0b7a7397d0cf8d29" providerId="LiveId" clId="{660179DC-0D6B-462F-A8F5-948AB2D462D4}" dt="2018-12-02T07:13:10.859" v="2522" actId="14100"/>
       <pc:docMkLst>
         <pc:docMk/>
       </pc:docMkLst>
@@ -408,7 +408,7 @@
         </pc:spChg>
       </pc:sldChg>
       <pc:sldChg chg="addSp delSp modSp modAnim">
-        <pc:chgData name="Steven Chiu" userId="0b7a7397d0cf8d29" providerId="LiveId" clId="{660179DC-0D6B-462F-A8F5-948AB2D462D4}" dt="2018-11-30T05:17:44.931" v="2508"/>
+        <pc:chgData name="Steven Chiu" userId="0b7a7397d0cf8d29" providerId="LiveId" clId="{660179DC-0D6B-462F-A8F5-948AB2D462D4}" dt="2018-12-02T07:13:10.859" v="2522" actId="14100"/>
         <pc:sldMkLst>
           <pc:docMk/>
           <pc:sldMk cId="2905083717" sldId="266"/>
@@ -422,7 +422,7 @@
           </ac:spMkLst>
         </pc:spChg>
         <pc:graphicFrameChg chg="mod modGraphic">
-          <ac:chgData name="Steven Chiu" userId="0b7a7397d0cf8d29" providerId="LiveId" clId="{660179DC-0D6B-462F-A8F5-948AB2D462D4}" dt="2018-11-26T04:19:19.857" v="180" actId="20577"/>
+          <ac:chgData name="Steven Chiu" userId="0b7a7397d0cf8d29" providerId="LiveId" clId="{660179DC-0D6B-462F-A8F5-948AB2D462D4}" dt="2018-12-02T07:13:10.859" v="2522" actId="14100"/>
           <ac:graphicFrameMkLst>
             <pc:docMk/>
             <pc:sldMk cId="2905083717" sldId="266"/>
@@ -2358,7 +2358,7 @@
   <dgm:whole/>
   <dgm:extLst>
     <a:ext uri="http://schemas.microsoft.com/office/drawing/2008/diagram">
-      <dsp:dataModelExt xmlns:dsp="http://schemas.microsoft.com/office/drawing/2008/diagram" relId="rId6" minVer="http://schemas.openxmlformats.org/drawingml/2006/diagram"/>
+      <dsp:dataModelExt xmlns:dsp="http://schemas.microsoft.com/office/drawing/2008/diagram" relId="rId7" minVer="http://schemas.openxmlformats.org/drawingml/2006/diagram"/>
     </a:ext>
   </dgm:extLst>
 </dgm:dataModel>
@@ -4478,7 +4478,7 @@
           <a:p>
             <a:fld id="{D8DE8356-FFDA-4E74-B804-79023C7DD259}" type="datetimeFigureOut">
               <a:rPr lang="en-US" smtClean="0"/>
-              <a:t>11/30/2018</a:t>
+              <a:t>12/2/2018</a:t>
             </a:fld>
             <a:endParaRPr lang="en-US"/>
           </a:p>
@@ -4643,7 +4643,7 @@
           <a:p>
             <a:fld id="{B43DDCE7-616C-4285-A468-7301F171BC93}" type="datetimeFigureOut">
               <a:rPr lang="en-US" smtClean="0"/>
-              <a:t>11/30/2018</a:t>
+              <a:t>12/2/2018</a:t>
             </a:fld>
             <a:endParaRPr lang="en-US"/>
           </a:p>
@@ -5204,7 +5204,7 @@
           <a:p>
             <a:fld id="{3762EC29-B8C5-4C7A-B6DA-418494D5CB21}" type="datetimeFigureOut">
               <a:rPr lang="en-US" smtClean="0"/>
-              <a:t>11/30/2018</a:t>
+              <a:t>12/2/2018</a:t>
             </a:fld>
             <a:endParaRPr lang="en-US"/>
           </a:p>
@@ -5397,7 +5397,7 @@
           <a:p>
             <a:fld id="{3762EC29-B8C5-4C7A-B6DA-418494D5CB21}" type="datetimeFigureOut">
               <a:rPr lang="en-US" smtClean="0"/>
-              <a:t>11/30/2018</a:t>
+              <a:t>12/2/2018</a:t>
             </a:fld>
             <a:endParaRPr lang="en-US"/>
           </a:p>
@@ -5580,7 +5580,7 @@
           <a:p>
             <a:fld id="{3762EC29-B8C5-4C7A-B6DA-418494D5CB21}" type="datetimeFigureOut">
               <a:rPr lang="en-US" smtClean="0"/>
-              <a:t>11/30/2018</a:t>
+              <a:t>12/2/2018</a:t>
             </a:fld>
             <a:endParaRPr lang="en-US"/>
           </a:p>
@@ -5845,7 +5845,7 @@
           <a:p>
             <a:fld id="{3762EC29-B8C5-4C7A-B6DA-418494D5CB21}" type="datetimeFigureOut">
               <a:rPr lang="en-US" smtClean="0"/>
-              <a:t>11/30/2018</a:t>
+              <a:t>12/2/2018</a:t>
             </a:fld>
             <a:endParaRPr lang="en-US"/>
           </a:p>
@@ -6089,7 +6089,7 @@
           <a:p>
             <a:fld id="{3762EC29-B8C5-4C7A-B6DA-418494D5CB21}" type="datetimeFigureOut">
               <a:rPr lang="en-US" smtClean="0"/>
-              <a:t>11/30/2018</a:t>
+              <a:t>12/2/2018</a:t>
             </a:fld>
             <a:endParaRPr lang="en-US"/>
           </a:p>
@@ -6477,7 +6477,7 @@
           <a:p>
             <a:fld id="{3762EC29-B8C5-4C7A-B6DA-418494D5CB21}" type="datetimeFigureOut">
               <a:rPr lang="en-US" smtClean="0"/>
-              <a:t>11/30/2018</a:t>
+              <a:t>12/2/2018</a:t>
             </a:fld>
             <a:endParaRPr lang="en-US"/>
           </a:p>
@@ -6609,7 +6609,7 @@
           <a:p>
             <a:fld id="{3762EC29-B8C5-4C7A-B6DA-418494D5CB21}" type="datetimeFigureOut">
               <a:rPr lang="en-US" smtClean="0"/>
-              <a:t>11/30/2018</a:t>
+              <a:t>12/2/2018</a:t>
             </a:fld>
             <a:endParaRPr lang="en-US"/>
           </a:p>
@@ -6719,7 +6719,7 @@
           <a:p>
             <a:fld id="{3762EC29-B8C5-4C7A-B6DA-418494D5CB21}" type="datetimeFigureOut">
               <a:rPr lang="en-US" smtClean="0"/>
-              <a:t>11/30/2018</a:t>
+              <a:t>12/2/2018</a:t>
             </a:fld>
             <a:endParaRPr lang="en-US"/>
           </a:p>
@@ -7516,7 +7516,7 @@
             <a:fld id="{3762EC29-B8C5-4C7A-B6DA-418494D5CB21}" type="datetimeFigureOut">
               <a:rPr lang="en-US" smtClean="0"/>
               <a:pPr/>
-              <a:t>11/30/2018</a:t>
+              <a:t>12/2/2018</a:t>
             </a:fld>
             <a:endParaRPr lang="en-US"/>
           </a:p>
@@ -9903,14 +9903,14 @@
           <p:nvPr>
             <p:extLst>
               <p:ext uri="{D42A27DB-BD31-4B8C-83A1-F6EECF244321}">
-                <p14:modId xmlns:p14="http://schemas.microsoft.com/office/powerpoint/2010/main" val="2624330227"/>
+                <p14:modId xmlns:p14="http://schemas.microsoft.com/office/powerpoint/2010/main" val="3550063992"/>
               </p:ext>
             </p:extLst>
           </p:nvPr>
         </p:nvGraphicFramePr>
         <p:xfrm>
-          <a:off x="1600200" y="3657600"/>
-          <a:ext cx="8128000" cy="1752600"/>
+          <a:off x="76200" y="3657600"/>
+          <a:ext cx="11734800" cy="2941320"/>
         </p:xfrm>
         <a:graphic>
           <a:graphicData uri="http://schemas.openxmlformats.org/drawingml/2006/table">
@@ -9919,14 +9919,14 @@
                 <a:tableStyleId>{D03447BB-5D67-496B-8E87-E561075AD55C}</a:tableStyleId>
               </a:tblPr>
               <a:tblGrid>
-                <a:gridCol w="4064000">
+                <a:gridCol w="4670567">
                   <a:extLst>
                     <a:ext uri="{9D8B030D-6E8A-4147-A177-3AD203B41FA5}">
                       <a16:colId xmlns:a16="http://schemas.microsoft.com/office/drawing/2014/main" val="20841815"/>
                     </a:ext>
                   </a:extLst>
                 </a:gridCol>
-                <a:gridCol w="4064000">
+                <a:gridCol w="7064233">
                   <a:extLst>
                     <a:ext uri="{9D8B030D-6E8A-4147-A177-3AD203B41FA5}">
                       <a16:colId xmlns:a16="http://schemas.microsoft.com/office/drawing/2014/main" val="26773780"/>
@@ -10060,7 +10060,30 @@
                     <a:bodyPr/>
                     <a:lstStyle/>
                     <a:p>
-                      <a:endParaRPr lang="en-US" dirty="0"/>
+                      <a:r>
+                        <a:rPr lang="en-US" sz="1800" u="sng" kern="1200" dirty="0">
+                          <a:solidFill>
+                            <a:schemeClr val="tx1"/>
+                          </a:solidFill>
+                          <a:effectLst/>
+                          <a:latin typeface="+mn-lt"/>
+                          <a:ea typeface="+mn-ea"/>
+                          <a:cs typeface="+mn-cs"/>
+                          <a:hlinkClick r:id="rId2">
+                            <a:extLst>
+                              <a:ext uri="{A12FA001-AC4F-418D-AE19-62706E023703}">
+                                <ahyp:hlinkClr xmlns:ahyp="http://schemas.microsoft.com/office/drawing/2018/hyperlinkcolor" val="tx"/>
+                              </a:ext>
+                            </a:extLst>
+                          </a:hlinkClick>
+                        </a:rPr>
+                        <a:t>https://databricks-prod-cloudfront.cloud.databricks.com/public/4027ec902e239c93eaaa8714f173bcfc/1793597675784580/3496336848243693/8868352524310076/latest.html</a:t>
+                      </a:r>
+                      <a:endParaRPr lang="en-US" dirty="0">
+                        <a:solidFill>
+                          <a:schemeClr val="tx1"/>
+                        </a:solidFill>
+                      </a:endParaRPr>
                     </a:p>
                   </a:txBody>
                   <a:tcPr/>
@@ -10068,6 +10091,39 @@
                 <a:extLst>
                   <a:ext uri="{0D108BD9-81ED-4DB2-BD59-A6C34878D82A}">
                     <a16:rowId xmlns:a16="http://schemas.microsoft.com/office/drawing/2014/main" val="2481459507"/>
+                  </a:ext>
+                </a:extLst>
+              </a:tr>
+              <a:tr h="370840">
+                <a:tc>
+                  <a:txBody>
+                    <a:bodyPr/>
+                    <a:lstStyle/>
+                    <a:p>
+                      <a:r>
+                        <a:rPr lang="en-US" dirty="0"/>
+                        <a:t>GitHub</a:t>
+                      </a:r>
+                    </a:p>
+                  </a:txBody>
+                  <a:tcPr/>
+                </a:tc>
+                <a:tc>
+                  <a:txBody>
+                    <a:bodyPr/>
+                    <a:lstStyle/>
+                    <a:p>
+                      <a:r>
+                        <a:rPr lang="en-US" dirty="0"/>
+                        <a:t>https://github.com/schiu73/SCS3252_Project_NBA</a:t>
+                      </a:r>
+                    </a:p>
+                  </a:txBody>
+                  <a:tcPr/>
+                </a:tc>
+                <a:extLst>
+                  <a:ext uri="{0D108BD9-81ED-4DB2-BD59-A6C34878D82A}">
+                    <a16:rowId xmlns:a16="http://schemas.microsoft.com/office/drawing/2014/main" val="3337641056"/>
                   </a:ext>
                 </a:extLst>
               </a:tr>
@@ -10099,7 +10155,7 @@
         </p:xfrm>
         <a:graphic>
           <a:graphicData uri="http://schemas.openxmlformats.org/drawingml/2006/diagram">
-            <dgm:relIds xmlns:dgm="http://schemas.openxmlformats.org/drawingml/2006/diagram" xmlns:r="http://schemas.openxmlformats.org/officeDocument/2006/relationships" r:dm="rId2" r:lo="rId3" r:qs="rId4" r:cs="rId5"/>
+            <dgm:relIds xmlns:dgm="http://schemas.openxmlformats.org/drawingml/2006/diagram" xmlns:r="http://schemas.openxmlformats.org/officeDocument/2006/relationships" r:dm="rId3" r:lo="rId4" r:qs="rId5" r:cs="rId6"/>
           </a:graphicData>
         </a:graphic>
       </p:graphicFrame>
@@ -13858,15 +13914,6 @@
 </file>
 
 <file path=customXml/item2.xml><?xml version="1.0" encoding="utf-8"?>
-<?mso-contentType ?>
-<FormTemplates xmlns="http://schemas.microsoft.com/sharepoint/v3/contenttype/forms">
-  <Display>DocumentLibraryForm</Display>
-  <Edit>DocumentLibraryForm</Edit>
-  <New>DocumentLibraryForm</New>
-</FormTemplates>
-</file>
-
-<file path=customXml/item3.xml><?xml version="1.0" encoding="utf-8"?>
 <ct:contentTypeSchema xmlns:ct="http://schemas.microsoft.com/office/2006/metadata/contentType" xmlns:ma="http://schemas.microsoft.com/office/2006/metadata/properties/metaAttributes" ct:_="" ma:_="" ma:contentTypeName="Document" ma:contentTypeID="0x010100AA3F7D94069FF64A86F7DFF56D60E3BE" ma:contentTypeVersion="6" ma:contentTypeDescription="Create a new document." ma:contentTypeScope="" ma:versionID="c32302c77d4085ecf495bdddb7f5e889">
   <xsd:schema xmlns:xsd="http://www.w3.org/2001/XMLSchema" xmlns:xs="http://www.w3.org/2001/XMLSchema" xmlns:p="http://schemas.microsoft.com/office/2006/metadata/properties" xmlns:ns2="a4f35948-e619-41b3-aa29-22878b09cfd2" xmlns:ns3="40262f94-9f35-4ac3-9a90-690165a166b7" targetNamespace="http://schemas.microsoft.com/office/2006/metadata/properties" ma:root="true" ma:fieldsID="4ab5ae46be95f9d0be6107e8200be7a2" ns2:_="" ns3:_="">
     <xsd:import namespace="a4f35948-e619-41b3-aa29-22878b09cfd2"/>
@@ -14047,6 +14094,15 @@
 </ct:contentTypeSchema>
 </file>
 
+<file path=customXml/item3.xml><?xml version="1.0" encoding="utf-8"?>
+<?mso-contentType ?>
+<FormTemplates xmlns="http://schemas.microsoft.com/sharepoint/v3/contenttype/forms">
+  <Display>DocumentLibraryForm</Display>
+  <Edit>DocumentLibraryForm</Edit>
+  <New>DocumentLibraryForm</New>
+</FormTemplates>
+</file>
+
 <file path=customXml/itemProps1.xml><?xml version="1.0" encoding="utf-8"?>
 <ds:datastoreItem xmlns:ds="http://schemas.openxmlformats.org/officeDocument/2006/customXml" ds:itemID="{91DDEFBA-1D7E-4587-9763-EBF5A6740E9A}">
   <ds:schemaRefs>
@@ -14058,14 +14114,6 @@
 </file>
 
 <file path=customXml/itemProps2.xml><?xml version="1.0" encoding="utf-8"?>
-<ds:datastoreItem xmlns:ds="http://schemas.openxmlformats.org/officeDocument/2006/customXml" ds:itemID="{48E42578-9CD4-4AFF-AA5E-F33052F6B6A6}">
-  <ds:schemaRefs>
-    <ds:schemaRef ds:uri="http://schemas.microsoft.com/sharepoint/v3/contenttype/forms"/>
-  </ds:schemaRefs>
-</ds:datastoreItem>
-</file>
-
-<file path=customXml/itemProps3.xml><?xml version="1.0" encoding="utf-8"?>
 <ds:datastoreItem xmlns:ds="http://schemas.openxmlformats.org/officeDocument/2006/customXml" ds:itemID="{5D30E8E9-C5F6-40D8-943C-DA5B4196A643}">
   <ds:schemaRefs>
     <ds:schemaRef ds:uri="http://schemas.microsoft.com/office/2006/metadata/contentType"/>
@@ -14082,4 +14130,12 @@
     <ds:schemaRef ds:uri="http://schemas.microsoft.com/internal/obd"/>
   </ds:schemaRefs>
 </ds:datastoreItem>
+</file>
+
+<file path=customXml/itemProps3.xml><?xml version="1.0" encoding="utf-8"?>
+<ds:datastoreItem xmlns:ds="http://schemas.openxmlformats.org/officeDocument/2006/customXml" ds:itemID="{48E42578-9CD4-4AFF-AA5E-F33052F6B6A6}">
+  <ds:schemaRefs>
+    <ds:schemaRef ds:uri="http://schemas.microsoft.com/sharepoint/v3/contenttype/forms"/>
+  </ds:schemaRefs>
+</ds:datastoreItem>
 </file>
--- a/SCS_3252_010_Steven_Chiu_Project.pptx
+++ b/SCS_3252_010_Steven_Chiu_Project.pptx
@@ -135,7 +135,7 @@
 <file path=ppt/revisionInfo.xml><?xml version="1.0" encoding="utf-8"?>
 <p1510:revInfo xmlns:a="http://schemas.openxmlformats.org/drawingml/2006/main" xmlns:r="http://schemas.openxmlformats.org/officeDocument/2006/relationships" xmlns:p1510="http://schemas.microsoft.com/office/powerpoint/2015/10/main">
   <p1510:revLst>
-    <p1510:client id="{660179DC-0D6B-462F-A8F5-948AB2D462D4}" v="133" dt="2018-12-02T07:12:55.372"/>
+    <p1510:client id="{660179DC-0D6B-462F-A8F5-948AB2D462D4}" v="134" dt="2018-12-04T04:15:54.705"/>
   </p1510:revLst>
 </p1510:revInfo>
 </file>
@@ -349,7 +349,7 @@
   <pc:docChgLst>
     <pc:chgData name="Steven Chiu" userId="0b7a7397d0cf8d29" providerId="LiveId" clId="{660179DC-0D6B-462F-A8F5-948AB2D462D4}"/>
     <pc:docChg chg="undo custSel addSld delSld modSld">
-      <pc:chgData name="Steven Chiu" userId="0b7a7397d0cf8d29" providerId="LiveId" clId="{660179DC-0D6B-462F-A8F5-948AB2D462D4}" dt="2018-12-02T07:13:10.859" v="2522" actId="14100"/>
+      <pc:chgData name="Steven Chiu" userId="0b7a7397d0cf8d29" providerId="LiveId" clId="{660179DC-0D6B-462F-A8F5-948AB2D462D4}" dt="2018-12-04T04:15:54.704" v="2523"/>
       <pc:docMkLst>
         <pc:docMk/>
       </pc:docMkLst>
@@ -408,7 +408,7 @@
         </pc:spChg>
       </pc:sldChg>
       <pc:sldChg chg="addSp delSp modSp modAnim">
-        <pc:chgData name="Steven Chiu" userId="0b7a7397d0cf8d29" providerId="LiveId" clId="{660179DC-0D6B-462F-A8F5-948AB2D462D4}" dt="2018-12-02T07:13:10.859" v="2522" actId="14100"/>
+        <pc:chgData name="Steven Chiu" userId="0b7a7397d0cf8d29" providerId="LiveId" clId="{660179DC-0D6B-462F-A8F5-948AB2D462D4}" dt="2018-12-04T04:15:54.704" v="2523"/>
         <pc:sldMkLst>
           <pc:docMk/>
           <pc:sldMk cId="2905083717" sldId="266"/>
@@ -422,7 +422,7 @@
           </ac:spMkLst>
         </pc:spChg>
         <pc:graphicFrameChg chg="mod modGraphic">
-          <ac:chgData name="Steven Chiu" userId="0b7a7397d0cf8d29" providerId="LiveId" clId="{660179DC-0D6B-462F-A8F5-948AB2D462D4}" dt="2018-12-02T07:13:10.859" v="2522" actId="14100"/>
+          <ac:chgData name="Steven Chiu" userId="0b7a7397d0cf8d29" providerId="LiveId" clId="{660179DC-0D6B-462F-A8F5-948AB2D462D4}" dt="2018-12-04T04:15:54.704" v="2523"/>
           <ac:graphicFrameMkLst>
             <pc:docMk/>
             <pc:sldMk cId="2905083717" sldId="266"/>
@@ -2358,7 +2358,7 @@
   <dgm:whole/>
   <dgm:extLst>
     <a:ext uri="http://schemas.microsoft.com/office/drawing/2008/diagram">
-      <dsp:dataModelExt xmlns:dsp="http://schemas.microsoft.com/office/drawing/2008/diagram" relId="rId7" minVer="http://schemas.openxmlformats.org/drawingml/2006/diagram"/>
+      <dsp:dataModelExt xmlns:dsp="http://schemas.microsoft.com/office/drawing/2008/diagram" relId="rId6" minVer="http://schemas.openxmlformats.org/drawingml/2006/diagram"/>
     </a:ext>
   </dgm:extLst>
 </dgm:dataModel>
@@ -4478,7 +4478,7 @@
           <a:p>
             <a:fld id="{D8DE8356-FFDA-4E74-B804-79023C7DD259}" type="datetimeFigureOut">
               <a:rPr lang="en-US" smtClean="0"/>
-              <a:t>12/2/2018</a:t>
+              <a:t>12/3/2018</a:t>
             </a:fld>
             <a:endParaRPr lang="en-US"/>
           </a:p>
@@ -4643,7 +4643,7 @@
           <a:p>
             <a:fld id="{B43DDCE7-616C-4285-A468-7301F171BC93}" type="datetimeFigureOut">
               <a:rPr lang="en-US" smtClean="0"/>
-              <a:t>12/2/2018</a:t>
+              <a:t>12/3/2018</a:t>
             </a:fld>
             <a:endParaRPr lang="en-US"/>
           </a:p>
@@ -5204,7 +5204,7 @@
           <a:p>
             <a:fld id="{3762EC29-B8C5-4C7A-B6DA-418494D5CB21}" type="datetimeFigureOut">
               <a:rPr lang="en-US" smtClean="0"/>
-              <a:t>12/2/2018</a:t>
+              <a:t>12/3/2018</a:t>
             </a:fld>
             <a:endParaRPr lang="en-US"/>
           </a:p>
@@ -5397,7 +5397,7 @@
           <a:p>
             <a:fld id="{3762EC29-B8C5-4C7A-B6DA-418494D5CB21}" type="datetimeFigureOut">
               <a:rPr lang="en-US" smtClean="0"/>
-              <a:t>12/2/2018</a:t>
+              <a:t>12/3/2018</a:t>
             </a:fld>
             <a:endParaRPr lang="en-US"/>
           </a:p>
@@ -5580,7 +5580,7 @@
           <a:p>
             <a:fld id="{3762EC29-B8C5-4C7A-B6DA-418494D5CB21}" type="datetimeFigureOut">
               <a:rPr lang="en-US" smtClean="0"/>
-              <a:t>12/2/2018</a:t>
+              <a:t>12/3/2018</a:t>
             </a:fld>
             <a:endParaRPr lang="en-US"/>
           </a:p>
@@ -5845,7 +5845,7 @@
           <a:p>
             <a:fld id="{3762EC29-B8C5-4C7A-B6DA-418494D5CB21}" type="datetimeFigureOut">
               <a:rPr lang="en-US" smtClean="0"/>
-              <a:t>12/2/2018</a:t>
+              <a:t>12/3/2018</a:t>
             </a:fld>
             <a:endParaRPr lang="en-US"/>
           </a:p>
@@ -6089,7 +6089,7 @@
           <a:p>
             <a:fld id="{3762EC29-B8C5-4C7A-B6DA-418494D5CB21}" type="datetimeFigureOut">
               <a:rPr lang="en-US" smtClean="0"/>
-              <a:t>12/2/2018</a:t>
+              <a:t>12/3/2018</a:t>
             </a:fld>
             <a:endParaRPr lang="en-US"/>
           </a:p>
@@ -6477,7 +6477,7 @@
           <a:p>
             <a:fld id="{3762EC29-B8C5-4C7A-B6DA-418494D5CB21}" type="datetimeFigureOut">
               <a:rPr lang="en-US" smtClean="0"/>
-              <a:t>12/2/2018</a:t>
+              <a:t>12/3/2018</a:t>
             </a:fld>
             <a:endParaRPr lang="en-US"/>
           </a:p>
@@ -6609,7 +6609,7 @@
           <a:p>
             <a:fld id="{3762EC29-B8C5-4C7A-B6DA-418494D5CB21}" type="datetimeFigureOut">
               <a:rPr lang="en-US" smtClean="0"/>
-              <a:t>12/2/2018</a:t>
+              <a:t>12/3/2018</a:t>
             </a:fld>
             <a:endParaRPr lang="en-US"/>
           </a:p>
@@ -6719,7 +6719,7 @@
           <a:p>
             <a:fld id="{3762EC29-B8C5-4C7A-B6DA-418494D5CB21}" type="datetimeFigureOut">
               <a:rPr lang="en-US" smtClean="0"/>
-              <a:t>12/2/2018</a:t>
+              <a:t>12/3/2018</a:t>
             </a:fld>
             <a:endParaRPr lang="en-US"/>
           </a:p>
@@ -7516,7 +7516,7 @@
             <a:fld id="{3762EC29-B8C5-4C7A-B6DA-418494D5CB21}" type="datetimeFigureOut">
               <a:rPr lang="en-US" smtClean="0"/>
               <a:pPr/>
-              <a:t>12/2/2018</a:t>
+              <a:t>12/3/2018</a:t>
             </a:fld>
             <a:endParaRPr lang="en-US"/>
           </a:p>
@@ -9903,7 +9903,7 @@
           <p:nvPr>
             <p:extLst>
               <p:ext uri="{D42A27DB-BD31-4B8C-83A1-F6EECF244321}">
-                <p14:modId xmlns:p14="http://schemas.microsoft.com/office/powerpoint/2010/main" val="3550063992"/>
+                <p14:modId xmlns:p14="http://schemas.microsoft.com/office/powerpoint/2010/main" val="2234579152"/>
               </p:ext>
             </p:extLst>
           </p:nvPr>
@@ -10061,7 +10061,7 @@
                     <a:lstStyle/>
                     <a:p>
                       <a:r>
-                        <a:rPr lang="en-US" sz="1800" u="sng" kern="1200" dirty="0">
+                        <a:rPr lang="en-US" sz="1800" u="sng" kern="1200">
                           <a:solidFill>
                             <a:schemeClr val="tx1"/>
                           </a:solidFill>
@@ -10069,13 +10069,6 @@
                           <a:latin typeface="+mn-lt"/>
                           <a:ea typeface="+mn-ea"/>
                           <a:cs typeface="+mn-cs"/>
-                          <a:hlinkClick r:id="rId2">
-                            <a:extLst>
-                              <a:ext uri="{A12FA001-AC4F-418D-AE19-62706E023703}">
-                                <ahyp:hlinkClr xmlns:ahyp="http://schemas.microsoft.com/office/drawing/2018/hyperlinkcolor" val="tx"/>
-                              </a:ext>
-                            </a:extLst>
-                          </a:hlinkClick>
                         </a:rPr>
                         <a:t>https://databricks-prod-cloudfront.cloud.databricks.com/public/4027ec902e239c93eaaa8714f173bcfc/1793597675784580/3496336848243693/8868352524310076/latest.html</a:t>
                       </a:r>
@@ -10155,7 +10148,7 @@
         </p:xfrm>
         <a:graphic>
           <a:graphicData uri="http://schemas.openxmlformats.org/drawingml/2006/diagram">
-            <dgm:relIds xmlns:dgm="http://schemas.openxmlformats.org/drawingml/2006/diagram" xmlns:r="http://schemas.openxmlformats.org/officeDocument/2006/relationships" r:dm="rId3" r:lo="rId4" r:qs="rId5" r:cs="rId6"/>
+            <dgm:relIds xmlns:dgm="http://schemas.openxmlformats.org/drawingml/2006/diagram" xmlns:r="http://schemas.openxmlformats.org/officeDocument/2006/relationships" r:dm="rId2" r:lo="rId3" r:qs="rId4" r:cs="rId5"/>
           </a:graphicData>
         </a:graphic>
       </p:graphicFrame>
@@ -13914,6 +13907,15 @@
 </file>
 
 <file path=customXml/item2.xml><?xml version="1.0" encoding="utf-8"?>
+<?mso-contentType ?>
+<FormTemplates xmlns="http://schemas.microsoft.com/sharepoint/v3/contenttype/forms">
+  <Display>DocumentLibraryForm</Display>
+  <Edit>DocumentLibraryForm</Edit>
+  <New>DocumentLibraryForm</New>
+</FormTemplates>
+</file>
+
+<file path=customXml/item3.xml><?xml version="1.0" encoding="utf-8"?>
 <ct:contentTypeSchema xmlns:ct="http://schemas.microsoft.com/office/2006/metadata/contentType" xmlns:ma="http://schemas.microsoft.com/office/2006/metadata/properties/metaAttributes" ct:_="" ma:_="" ma:contentTypeName="Document" ma:contentTypeID="0x010100AA3F7D94069FF64A86F7DFF56D60E3BE" ma:contentTypeVersion="6" ma:contentTypeDescription="Create a new document." ma:contentTypeScope="" ma:versionID="c32302c77d4085ecf495bdddb7f5e889">
   <xsd:schema xmlns:xsd="http://www.w3.org/2001/XMLSchema" xmlns:xs="http://www.w3.org/2001/XMLSchema" xmlns:p="http://schemas.microsoft.com/office/2006/metadata/properties" xmlns:ns2="a4f35948-e619-41b3-aa29-22878b09cfd2" xmlns:ns3="40262f94-9f35-4ac3-9a90-690165a166b7" targetNamespace="http://schemas.microsoft.com/office/2006/metadata/properties" ma:root="true" ma:fieldsID="4ab5ae46be95f9d0be6107e8200be7a2" ns2:_="" ns3:_="">
     <xsd:import namespace="a4f35948-e619-41b3-aa29-22878b09cfd2"/>
@@ -14094,15 +14096,6 @@
 </ct:contentTypeSchema>
 </file>
 
-<file path=customXml/item3.xml><?xml version="1.0" encoding="utf-8"?>
-<?mso-contentType ?>
-<FormTemplates xmlns="http://schemas.microsoft.com/sharepoint/v3/contenttype/forms">
-  <Display>DocumentLibraryForm</Display>
-  <Edit>DocumentLibraryForm</Edit>
-  <New>DocumentLibraryForm</New>
-</FormTemplates>
-</file>
-
 <file path=customXml/itemProps1.xml><?xml version="1.0" encoding="utf-8"?>
 <ds:datastoreItem xmlns:ds="http://schemas.openxmlformats.org/officeDocument/2006/customXml" ds:itemID="{91DDEFBA-1D7E-4587-9763-EBF5A6740E9A}">
   <ds:schemaRefs>
@@ -14114,6 +14107,14 @@
 </file>
 
 <file path=customXml/itemProps2.xml><?xml version="1.0" encoding="utf-8"?>
+<ds:datastoreItem xmlns:ds="http://schemas.openxmlformats.org/officeDocument/2006/customXml" ds:itemID="{48E42578-9CD4-4AFF-AA5E-F33052F6B6A6}">
+  <ds:schemaRefs>
+    <ds:schemaRef ds:uri="http://schemas.microsoft.com/sharepoint/v3/contenttype/forms"/>
+  </ds:schemaRefs>
+</ds:datastoreItem>
+</file>
+
+<file path=customXml/itemProps3.xml><?xml version="1.0" encoding="utf-8"?>
 <ds:datastoreItem xmlns:ds="http://schemas.openxmlformats.org/officeDocument/2006/customXml" ds:itemID="{5D30E8E9-C5F6-40D8-943C-DA5B4196A643}">
   <ds:schemaRefs>
     <ds:schemaRef ds:uri="http://schemas.microsoft.com/office/2006/metadata/contentType"/>
@@ -14130,12 +14131,4 @@
     <ds:schemaRef ds:uri="http://schemas.microsoft.com/internal/obd"/>
   </ds:schemaRefs>
 </ds:datastoreItem>
-</file>
-
-<file path=customXml/itemProps3.xml><?xml version="1.0" encoding="utf-8"?>
-<ds:datastoreItem xmlns:ds="http://schemas.openxmlformats.org/officeDocument/2006/customXml" ds:itemID="{48E42578-9CD4-4AFF-AA5E-F33052F6B6A6}">
-  <ds:schemaRefs>
-    <ds:schemaRef ds:uri="http://schemas.microsoft.com/sharepoint/v3/contenttype/forms"/>
-  </ds:schemaRefs>
-</ds:datastoreItem>
 </file>